--- a/dvd_rental.pptx
+++ b/dvd_rental.pptx
@@ -43,23 +43,25 @@
     <p:sldId id="287" r:id="rId36"/>
     <p:sldId id="288" r:id="rId37"/>
     <p:sldId id="290" r:id="rId38"/>
+    <p:sldId id="292" r:id="rId39"/>
+    <p:sldId id="291" r:id="rId40"/>
   </p:sldIdLst>
   <p:sldSz cx="9144000" cy="5143500"/>
   <p:notesSz cx="6858000" cy="9144000"/>
   <p:embeddedFontLst>
     <p:embeddedFont>
       <p:font typeface="Nunito"/>
-      <p:regular r:id="rId42"/>
+      <p:regular r:id="rId44"/>
     </p:embeddedFont>
     <p:embeddedFont>
       <p:font typeface="Calibri" panose="020F0502020204030204"/>
-      <p:regular r:id="rId43"/>
+      <p:regular r:id="rId45"/>
     </p:embeddedFont>
     <p:embeddedFont>
       <p:font typeface="Roboto Mono" panose="00000009000000000000"/>
-      <p:regular r:id="rId44"/>
-      <p:italic r:id="rId45"/>
-      <p:boldItalic r:id="rId46"/>
+      <p:regular r:id="rId46"/>
+      <p:italic r:id="rId47"/>
+      <p:boldItalic r:id="rId48"/>
     </p:embeddedFont>
   </p:embeddedFontLst>
   <p:defaultTextStyle>
@@ -3419,6 +3421,204 @@
 </file>
 
 <file path=ppt/notesSlides/notesSlide34.xml><?xml version="1.0" encoding="utf-8"?>
+<p:notes xmlns:a="http://schemas.openxmlformats.org/drawingml/2006/main" xmlns:r="http://schemas.openxmlformats.org/officeDocument/2006/relationships" xmlns:p="http://schemas.openxmlformats.org/presentationml/2006/main" showMasterPhAnim="0" showMasterSp="0">
+  <p:cSld>
+    <p:spTree>
+      <p:nvGrpSpPr>
+        <p:cNvPr id="386" name="Shape 386"/>
+        <p:cNvGrpSpPr/>
+        <p:nvPr/>
+      </p:nvGrpSpPr>
+      <p:grpSpPr>
+        <a:xfrm>
+          <a:off x="0" y="0"/>
+          <a:ext cx="0" cy="0"/>
+          <a:chOff x="0" y="0"/>
+          <a:chExt cx="0" cy="0"/>
+        </a:xfrm>
+      </p:grpSpPr>
+      <p:sp>
+        <p:nvSpPr>
+          <p:cNvPr id="387" name="Google Shape;387;g30edf5cc2c1_0_2387:notes"/>
+          <p:cNvSpPr/>
+          <p:nvPr>
+            <p:ph type="sldImg" idx="2"/>
+          </p:nvPr>
+        </p:nvSpPr>
+        <p:spPr>
+          <a:xfrm>
+            <a:off x="381300" y="685800"/>
+            <a:ext cx="6096000" cy="3429000"/>
+          </a:xfrm>
+          <a:custGeom>
+            <a:avLst/>
+            <a:gdLst/>
+            <a:ahLst/>
+            <a:cxnLst/>
+            <a:rect l="l" t="t" r="r" b="b"/>
+            <a:pathLst>
+              <a:path w="120000" h="120000" extrusionOk="0">
+                <a:moveTo>
+                  <a:pt x="0" y="0"/>
+                </a:moveTo>
+                <a:lnTo>
+                  <a:pt x="120000" y="0"/>
+                </a:lnTo>
+                <a:lnTo>
+                  <a:pt x="120000" y="120000"/>
+                </a:lnTo>
+                <a:lnTo>
+                  <a:pt x="0" y="120000"/>
+                </a:lnTo>
+                <a:close/>
+              </a:path>
+            </a:pathLst>
+          </a:custGeom>
+        </p:spPr>
+      </p:sp>
+      <p:sp>
+        <p:nvSpPr>
+          <p:cNvPr id="388" name="Google Shape;388;g30edf5cc2c1_0_2387:notes"/>
+          <p:cNvSpPr txBox="1"/>
+          <p:nvPr>
+            <p:ph type="body" idx="1"/>
+          </p:nvPr>
+        </p:nvSpPr>
+        <p:spPr>
+          <a:xfrm>
+            <a:off x="685800" y="4343400"/>
+            <a:ext cx="5486400" cy="4114800"/>
+          </a:xfrm>
+          <a:prstGeom prst="rect">
+            <a:avLst/>
+          </a:prstGeom>
+        </p:spPr>
+        <p:txBody>
+          <a:bodyPr spcFirstLastPara="1" wrap="square" lIns="91425" tIns="91425" rIns="91425" bIns="91425" anchor="t" anchorCtr="0">
+            <a:noAutofit/>
+          </a:bodyPr>
+          <a:lstStyle/>
+          <a:p>
+            <a:pPr marL="0" lvl="0" indent="0" algn="l" rtl="0">
+              <a:spcBef>
+                <a:spcPts val="0"/>
+              </a:spcBef>
+              <a:spcAft>
+                <a:spcPts val="0"/>
+              </a:spcAft>
+              <a:buNone/>
+            </a:pPr>
+          </a:p>
+        </p:txBody>
+      </p:sp>
+    </p:spTree>
+  </p:cSld>
+  <p:clrMapOvr>
+    <a:masterClrMapping/>
+  </p:clrMapOvr>
+</p:notes>
+</file>
+
+<file path=ppt/notesSlides/notesSlide35.xml><?xml version="1.0" encoding="utf-8"?>
+<p:notes xmlns:a="http://schemas.openxmlformats.org/drawingml/2006/main" xmlns:r="http://schemas.openxmlformats.org/officeDocument/2006/relationships" xmlns:p="http://schemas.openxmlformats.org/presentationml/2006/main" showMasterPhAnim="0" showMasterSp="0">
+  <p:cSld>
+    <p:spTree>
+      <p:nvGrpSpPr>
+        <p:cNvPr id="386" name="Shape 386"/>
+        <p:cNvGrpSpPr/>
+        <p:nvPr/>
+      </p:nvGrpSpPr>
+      <p:grpSpPr>
+        <a:xfrm>
+          <a:off x="0" y="0"/>
+          <a:ext cx="0" cy="0"/>
+          <a:chOff x="0" y="0"/>
+          <a:chExt cx="0" cy="0"/>
+        </a:xfrm>
+      </p:grpSpPr>
+      <p:sp>
+        <p:nvSpPr>
+          <p:cNvPr id="387" name="Google Shape;387;g30edf5cc2c1_0_2387:notes"/>
+          <p:cNvSpPr/>
+          <p:nvPr>
+            <p:ph type="sldImg" idx="2"/>
+          </p:nvPr>
+        </p:nvSpPr>
+        <p:spPr>
+          <a:xfrm>
+            <a:off x="381300" y="685800"/>
+            <a:ext cx="6096000" cy="3429000"/>
+          </a:xfrm>
+          <a:custGeom>
+            <a:avLst/>
+            <a:gdLst/>
+            <a:ahLst/>
+            <a:cxnLst/>
+            <a:rect l="l" t="t" r="r" b="b"/>
+            <a:pathLst>
+              <a:path w="120000" h="120000" extrusionOk="0">
+                <a:moveTo>
+                  <a:pt x="0" y="0"/>
+                </a:moveTo>
+                <a:lnTo>
+                  <a:pt x="120000" y="0"/>
+                </a:lnTo>
+                <a:lnTo>
+                  <a:pt x="120000" y="120000"/>
+                </a:lnTo>
+                <a:lnTo>
+                  <a:pt x="0" y="120000"/>
+                </a:lnTo>
+                <a:close/>
+              </a:path>
+            </a:pathLst>
+          </a:custGeom>
+        </p:spPr>
+      </p:sp>
+      <p:sp>
+        <p:nvSpPr>
+          <p:cNvPr id="388" name="Google Shape;388;g30edf5cc2c1_0_2387:notes"/>
+          <p:cNvSpPr txBox="1"/>
+          <p:nvPr>
+            <p:ph type="body" idx="1"/>
+          </p:nvPr>
+        </p:nvSpPr>
+        <p:spPr>
+          <a:xfrm>
+            <a:off x="685800" y="4343400"/>
+            <a:ext cx="5486400" cy="4114800"/>
+          </a:xfrm>
+          <a:prstGeom prst="rect">
+            <a:avLst/>
+          </a:prstGeom>
+        </p:spPr>
+        <p:txBody>
+          <a:bodyPr spcFirstLastPara="1" wrap="square" lIns="91425" tIns="91425" rIns="91425" bIns="91425" anchor="t" anchorCtr="0">
+            <a:noAutofit/>
+          </a:bodyPr>
+          <a:lstStyle/>
+          <a:p>
+            <a:pPr marL="0" lvl="0" indent="0" algn="l" rtl="0">
+              <a:spcBef>
+                <a:spcPts val="0"/>
+              </a:spcBef>
+              <a:spcAft>
+                <a:spcPts val="0"/>
+              </a:spcAft>
+              <a:buNone/>
+            </a:pPr>
+          </a:p>
+        </p:txBody>
+      </p:sp>
+    </p:spTree>
+  </p:cSld>
+  <p:clrMapOvr>
+    <a:masterClrMapping/>
+  </p:clrMapOvr>
+</p:notes>
+</file>
+
+<file path=ppt/notesSlides/notesSlide36.xml><?xml version="1.0" encoding="utf-8"?>
 <p:notes xmlns:a="http://schemas.openxmlformats.org/drawingml/2006/main" xmlns:r="http://schemas.openxmlformats.org/officeDocument/2006/relationships" xmlns:p="http://schemas.openxmlformats.org/presentationml/2006/main" showMasterPhAnim="0" showMasterSp="0">
   <p:cSld>
     <p:spTree>
@@ -24036,32 +24236,6 @@
           </a:p>
         </p:txBody>
       </p:sp>
-      <p:pic>
-        <p:nvPicPr>
-          <p:cNvPr id="377" name="Google Shape;377;p55"/>
-          <p:cNvPicPr preferRelativeResize="0"/>
-          <p:nvPr/>
-        </p:nvPicPr>
-        <p:blipFill>
-          <a:blip r:embed="rId1"/>
-          <a:stretch>
-            <a:fillRect/>
-          </a:stretch>
-        </p:blipFill>
-        <p:spPr>
-          <a:xfrm>
-            <a:off x="407625" y="1032600"/>
-            <a:ext cx="4308650" cy="3806100"/>
-          </a:xfrm>
-          <a:prstGeom prst="rect">
-            <a:avLst/>
-          </a:prstGeom>
-          <a:noFill/>
-          <a:ln>
-            <a:noFill/>
-          </a:ln>
-        </p:spPr>
-      </p:pic>
       <p:sp>
         <p:nvSpPr>
           <p:cNvPr id="378" name="Google Shape;378;p55"/>
@@ -24117,28 +24291,26 @@
       </p:sp>
       <p:pic>
         <p:nvPicPr>
-          <p:cNvPr id="379" name="Google Shape;379;p55"/>
-          <p:cNvPicPr preferRelativeResize="0"/>
+          <p:cNvPr id="2" name="Picture 1"/>
+          <p:cNvPicPr>
+            <a:picLocks noChangeAspect="1"/>
+          </p:cNvPicPr>
           <p:nvPr/>
         </p:nvPicPr>
         <p:blipFill>
-          <a:blip r:embed="rId2"/>
+          <a:blip r:embed="rId1"/>
           <a:stretch>
             <a:fillRect/>
           </a:stretch>
         </p:blipFill>
         <p:spPr>
           <a:xfrm>
-            <a:off x="4944875" y="1037949"/>
-            <a:ext cx="4046725" cy="3806100"/>
+            <a:off x="2270760" y="806450"/>
+            <a:ext cx="4260850" cy="4178935"/>
           </a:xfrm>
           <a:prstGeom prst="rect">
             <a:avLst/>
           </a:prstGeom>
-          <a:noFill/>
-          <a:ln>
-            <a:noFill/>
-          </a:ln>
         </p:spPr>
       </p:pic>
     </p:spTree>
@@ -24754,6 +24926,562 @@
 </file>
 
 <file path=ppt/slides/slide34.xml><?xml version="1.0" encoding="utf-8"?>
+<p:sld xmlns:a="http://schemas.openxmlformats.org/drawingml/2006/main" xmlns:r="http://schemas.openxmlformats.org/officeDocument/2006/relationships" xmlns:p="http://schemas.openxmlformats.org/presentationml/2006/main">
+  <p:cSld>
+    <p:bg>
+      <p:bgPr>
+        <a:solidFill>
+          <a:srgbClr val="999999"/>
+        </a:solidFill>
+        <a:effectLst/>
+      </p:bgPr>
+    </p:bg>
+    <p:spTree>
+      <p:nvGrpSpPr>
+        <p:cNvPr id="389" name="Shape 389"/>
+        <p:cNvGrpSpPr/>
+        <p:nvPr/>
+      </p:nvGrpSpPr>
+      <p:grpSpPr>
+        <a:xfrm>
+          <a:off x="0" y="0"/>
+          <a:ext cx="0" cy="0"/>
+          <a:chOff x="0" y="0"/>
+          <a:chExt cx="0" cy="0"/>
+        </a:xfrm>
+      </p:grpSpPr>
+      <p:sp>
+        <p:nvSpPr>
+          <p:cNvPr id="3" name="Google Shape;390;p57"/>
+          <p:cNvSpPr txBox="1"/>
+          <p:nvPr/>
+        </p:nvSpPr>
+        <p:spPr>
+          <a:xfrm>
+            <a:off x="2792730" y="3810"/>
+            <a:ext cx="3900170" cy="499110"/>
+          </a:xfrm>
+          <a:prstGeom prst="rect">
+            <a:avLst/>
+          </a:prstGeom>
+          <a:noFill/>
+          <a:ln>
+            <a:noFill/>
+          </a:ln>
+        </p:spPr>
+        <p:txBody>
+          <a:bodyPr spcFirstLastPara="1" wrap="square" lIns="91425" tIns="91425" rIns="91425" bIns="91425" anchor="t" anchorCtr="0">
+            <a:spAutoFit/>
+          </a:bodyPr>
+          <a:p>
+            <a:pPr marL="0" lvl="0" indent="0" algn="ctr" rtl="0">
+              <a:lnSpc>
+                <a:spcPct val="115000"/>
+              </a:lnSpc>
+              <a:spcBef>
+                <a:spcPts val="1200"/>
+              </a:spcBef>
+              <a:spcAft>
+                <a:spcPts val="1200"/>
+              </a:spcAft>
+              <a:buNone/>
+            </a:pPr>
+            <a:r>
+              <a:rPr lang="en-US" sz="1800" b="1">
+                <a:solidFill>
+                  <a:srgbClr val="980000"/>
+                </a:solidFill>
+              </a:rPr>
+              <a:t>AWS Deployment using docker</a:t>
+            </a:r>
+            <a:endParaRPr lang="en-US" sz="1800" b="1">
+              <a:solidFill>
+                <a:srgbClr val="980000"/>
+              </a:solidFill>
+            </a:endParaRPr>
+          </a:p>
+        </p:txBody>
+      </p:sp>
+      <p:sp>
+        <p:nvSpPr>
+          <p:cNvPr id="392" name="Google Shape;392;p57"/>
+          <p:cNvSpPr txBox="1"/>
+          <p:nvPr/>
+        </p:nvSpPr>
+        <p:spPr>
+          <a:xfrm>
+            <a:off x="164465" y="461010"/>
+            <a:ext cx="8830945" cy="4650105"/>
+          </a:xfrm>
+          <a:prstGeom prst="rect">
+            <a:avLst/>
+          </a:prstGeom>
+          <a:noFill/>
+          <a:ln>
+            <a:noFill/>
+          </a:ln>
+        </p:spPr>
+        <p:txBody>
+          <a:bodyPr spcFirstLastPara="1" wrap="square" lIns="91425" tIns="91425" rIns="91425" bIns="91425" anchor="t" anchorCtr="0">
+            <a:spAutoFit/>
+          </a:bodyPr>
+          <a:p>
+            <a:pPr marL="0" lvl="0" indent="0" algn="l" rtl="0">
+              <a:lnSpc>
+                <a:spcPct val="115000"/>
+              </a:lnSpc>
+              <a:spcBef>
+                <a:spcPts val="0"/>
+              </a:spcBef>
+              <a:spcAft>
+                <a:spcPts val="0"/>
+              </a:spcAft>
+              <a:buNone/>
+            </a:pPr>
+            <a:r>
+              <a:rPr lang="en-US" altLang="en-GB" sz="1100" b="1"/>
+              <a:t>Environment Setup:</a:t>
+            </a:r>
+            <a:r>
+              <a:rPr lang="en-US" altLang="en-GB" sz="1100"/>
+              <a:t> Start by installing the AWS CLI to interact with AWS services and Docker to build and test containerized applications locally.</a:t>
+            </a:r>
+            <a:endParaRPr lang="en-US" altLang="en-GB" sz="1100"/>
+          </a:p>
+          <a:p>
+            <a:pPr marL="0" lvl="0" indent="0" algn="l" rtl="0">
+              <a:lnSpc>
+                <a:spcPct val="115000"/>
+              </a:lnSpc>
+              <a:spcBef>
+                <a:spcPts val="0"/>
+              </a:spcBef>
+              <a:spcAft>
+                <a:spcPts val="0"/>
+              </a:spcAft>
+              <a:buNone/>
+            </a:pPr>
+            <a:endParaRPr lang="en-US" altLang="en-GB" sz="1100"/>
+          </a:p>
+          <a:p>
+            <a:pPr marL="0" lvl="0" indent="0" algn="l" rtl="0">
+              <a:lnSpc>
+                <a:spcPct val="115000"/>
+              </a:lnSpc>
+              <a:spcBef>
+                <a:spcPts val="0"/>
+              </a:spcBef>
+              <a:spcAft>
+                <a:spcPts val="0"/>
+              </a:spcAft>
+              <a:buNone/>
+            </a:pPr>
+            <a:r>
+              <a:rPr lang="en-US" altLang="en-GB" sz="1100" b="1"/>
+              <a:t>Docker Image Creation:</a:t>
+            </a:r>
+            <a:r>
+              <a:rPr lang="en-US" altLang="en-GB" sz="1100"/>
+              <a:t> Build a Docker image for the application, packaging all code and dependencies. Running the container locally helps ensure everything functions as expected before deploying to AWS.</a:t>
+            </a:r>
+            <a:endParaRPr lang="en-US" altLang="en-GB" sz="1100"/>
+          </a:p>
+          <a:p>
+            <a:pPr marL="0" lvl="0" indent="0" algn="l" rtl="0">
+              <a:lnSpc>
+                <a:spcPct val="115000"/>
+              </a:lnSpc>
+              <a:spcBef>
+                <a:spcPts val="0"/>
+              </a:spcBef>
+              <a:spcAft>
+                <a:spcPts val="0"/>
+              </a:spcAft>
+              <a:buNone/>
+            </a:pPr>
+            <a:endParaRPr lang="en-US" altLang="en-GB" sz="1100"/>
+          </a:p>
+          <a:p>
+            <a:pPr marL="0" lvl="0" indent="0" algn="l" rtl="0">
+              <a:lnSpc>
+                <a:spcPct val="115000"/>
+              </a:lnSpc>
+              <a:spcBef>
+                <a:spcPts val="0"/>
+              </a:spcBef>
+              <a:spcAft>
+                <a:spcPts val="0"/>
+              </a:spcAft>
+              <a:buNone/>
+            </a:pPr>
+            <a:r>
+              <a:rPr lang="en-US" altLang="en-GB" sz="1100" b="1"/>
+              <a:t>ECR Repository Creation:</a:t>
+            </a:r>
+            <a:r>
+              <a:rPr lang="en-US" altLang="en-GB" sz="1100"/>
+              <a:t> Set up an Elastic Container Registry (ECR) on AWS to store the Docker image. ECR provides a scalable, secure, and highly available repository for container images, which can be accessed by ECS.</a:t>
+            </a:r>
+            <a:endParaRPr lang="en-US" altLang="en-GB" sz="1100"/>
+          </a:p>
+          <a:p>
+            <a:pPr marL="0" lvl="0" indent="0" algn="l" rtl="0">
+              <a:lnSpc>
+                <a:spcPct val="115000"/>
+              </a:lnSpc>
+              <a:spcBef>
+                <a:spcPts val="0"/>
+              </a:spcBef>
+              <a:spcAft>
+                <a:spcPts val="0"/>
+              </a:spcAft>
+              <a:buNone/>
+            </a:pPr>
+            <a:endParaRPr lang="en-US" altLang="en-GB" sz="1100"/>
+          </a:p>
+          <a:p>
+            <a:pPr marL="0" lvl="0" indent="0" algn="l" rtl="0">
+              <a:lnSpc>
+                <a:spcPct val="115000"/>
+              </a:lnSpc>
+              <a:spcBef>
+                <a:spcPts val="0"/>
+              </a:spcBef>
+              <a:spcAft>
+                <a:spcPts val="0"/>
+              </a:spcAft>
+              <a:buNone/>
+            </a:pPr>
+            <a:r>
+              <a:rPr lang="en-US" altLang="en-GB" sz="1100" b="1"/>
+              <a:t>Push Docker Image to ECR:</a:t>
+            </a:r>
+            <a:r>
+              <a:rPr lang="en-US" altLang="en-GB" sz="1100"/>
+              <a:t> After tagging the image, push it to the ECR repository for centralized storage and easy retrieval by ECS. This step makes the image securely available for deployment in AWS.</a:t>
+            </a:r>
+            <a:endParaRPr lang="en-US" altLang="en-GB" sz="1100"/>
+          </a:p>
+          <a:p>
+            <a:pPr marL="0" lvl="0" indent="0" algn="l" rtl="0">
+              <a:lnSpc>
+                <a:spcPct val="115000"/>
+              </a:lnSpc>
+              <a:spcBef>
+                <a:spcPts val="0"/>
+              </a:spcBef>
+              <a:spcAft>
+                <a:spcPts val="0"/>
+              </a:spcAft>
+              <a:buNone/>
+            </a:pPr>
+            <a:endParaRPr lang="en-US" altLang="en-GB" sz="1100"/>
+          </a:p>
+          <a:p>
+            <a:pPr marL="0" lvl="0" indent="0" algn="l" rtl="0">
+              <a:lnSpc>
+                <a:spcPct val="115000"/>
+              </a:lnSpc>
+              <a:spcBef>
+                <a:spcPts val="0"/>
+              </a:spcBef>
+              <a:spcAft>
+                <a:spcPts val="0"/>
+              </a:spcAft>
+              <a:buNone/>
+            </a:pPr>
+            <a:r>
+              <a:rPr lang="en-US" altLang="en-GB" sz="1100" b="1"/>
+              <a:t>ECS Cluster Setup:</a:t>
+            </a:r>
+            <a:r>
+              <a:rPr lang="en-US" altLang="en-GB" sz="1100"/>
+              <a:t> Create an ECS cluster, a logical group of AWS resources where the containerized application will run. The cluster serves as the foundational environment for deploying and managing the application.</a:t>
+            </a:r>
+            <a:endParaRPr lang="en-US" altLang="en-GB" sz="1100"/>
+          </a:p>
+          <a:p>
+            <a:pPr marL="0" lvl="0" indent="0" algn="l" rtl="0">
+              <a:lnSpc>
+                <a:spcPct val="115000"/>
+              </a:lnSpc>
+              <a:spcBef>
+                <a:spcPts val="0"/>
+              </a:spcBef>
+              <a:spcAft>
+                <a:spcPts val="0"/>
+              </a:spcAft>
+              <a:buNone/>
+            </a:pPr>
+            <a:endParaRPr lang="en-US" altLang="en-GB" sz="1100"/>
+          </a:p>
+          <a:p>
+            <a:pPr marL="0" lvl="0" indent="0" algn="l" rtl="0">
+              <a:lnSpc>
+                <a:spcPct val="115000"/>
+              </a:lnSpc>
+              <a:spcBef>
+                <a:spcPts val="0"/>
+              </a:spcBef>
+              <a:spcAft>
+                <a:spcPts val="0"/>
+              </a:spcAft>
+              <a:buNone/>
+            </a:pPr>
+            <a:r>
+              <a:rPr lang="en-US" altLang="en-GB" sz="1100" b="1"/>
+              <a:t>Task Definition Registration: </a:t>
+            </a:r>
+            <a:r>
+              <a:rPr lang="en-US" altLang="en-GB" sz="1100"/>
+              <a:t>Define the application’s task configuration, including CPU, memory, container image, and port settings. This task definition provides ECS with the details required to run containers effectively.</a:t>
+            </a:r>
+            <a:endParaRPr lang="en-US" altLang="en-GB" sz="1100"/>
+          </a:p>
+          <a:p>
+            <a:pPr marL="0" lvl="0" indent="0" algn="l" rtl="0">
+              <a:lnSpc>
+                <a:spcPct val="115000"/>
+              </a:lnSpc>
+              <a:spcBef>
+                <a:spcPts val="0"/>
+              </a:spcBef>
+              <a:spcAft>
+                <a:spcPts val="0"/>
+              </a:spcAft>
+              <a:buNone/>
+            </a:pPr>
+            <a:endParaRPr lang="en-US" altLang="en-GB" sz="1100"/>
+          </a:p>
+          <a:p>
+            <a:pPr marL="0" lvl="0" indent="0" algn="l" rtl="0">
+              <a:lnSpc>
+                <a:spcPct val="115000"/>
+              </a:lnSpc>
+              <a:spcBef>
+                <a:spcPts val="0"/>
+              </a:spcBef>
+              <a:spcAft>
+                <a:spcPts val="0"/>
+              </a:spcAft>
+              <a:buNone/>
+            </a:pPr>
+            <a:r>
+              <a:rPr lang="en-US" altLang="en-GB" sz="1100" b="1"/>
+              <a:t>ECS Service Creation:</a:t>
+            </a:r>
+            <a:r>
+              <a:rPr lang="en-US" altLang="en-GB" sz="1100"/>
+              <a:t> Deploy the application by creating an ECS service, which ensures the desired number of task instances are running, providing automatic scaling, load balancing, and high availability.</a:t>
+            </a:r>
+            <a:endParaRPr lang="en-US" altLang="en-GB" sz="1100"/>
+          </a:p>
+          <a:p>
+            <a:pPr marL="0" lvl="0" indent="0" algn="l" rtl="0">
+              <a:lnSpc>
+                <a:spcPct val="115000"/>
+              </a:lnSpc>
+              <a:spcBef>
+                <a:spcPts val="0"/>
+              </a:spcBef>
+              <a:spcAft>
+                <a:spcPts val="0"/>
+              </a:spcAft>
+              <a:buNone/>
+            </a:pPr>
+            <a:endParaRPr lang="en-US" altLang="en-GB" sz="1100"/>
+          </a:p>
+          <a:p>
+            <a:pPr marL="0" lvl="0" indent="0" algn="l" rtl="0">
+              <a:lnSpc>
+                <a:spcPct val="115000"/>
+              </a:lnSpc>
+              <a:spcBef>
+                <a:spcPts val="0"/>
+              </a:spcBef>
+              <a:spcAft>
+                <a:spcPts val="0"/>
+              </a:spcAft>
+              <a:buNone/>
+            </a:pPr>
+            <a:r>
+              <a:rPr lang="en-US" altLang="en-GB" sz="1100" b="1"/>
+              <a:t>Application Access: </a:t>
+            </a:r>
+            <a:r>
+              <a:rPr lang="en-US" altLang="en-GB" sz="1100"/>
+              <a:t>Finally, retrieve the public IP address from the ECS console under Task details to access the deployed application over the internet.</a:t>
+            </a:r>
+            <a:endParaRPr lang="en-US" altLang="en-GB" sz="1100"/>
+          </a:p>
+        </p:txBody>
+      </p:sp>
+    </p:spTree>
+  </p:cSld>
+  <p:clrMapOvr>
+    <a:masterClrMapping/>
+  </p:clrMapOvr>
+</p:sld>
+</file>
+
+<file path=ppt/slides/slide35.xml><?xml version="1.0" encoding="utf-8"?>
+<p:sld xmlns:a="http://schemas.openxmlformats.org/drawingml/2006/main" xmlns:r="http://schemas.openxmlformats.org/officeDocument/2006/relationships" xmlns:p="http://schemas.openxmlformats.org/presentationml/2006/main">
+  <p:cSld>
+    <p:bg>
+      <p:bgPr>
+        <a:solidFill>
+          <a:srgbClr val="999999"/>
+        </a:solidFill>
+        <a:effectLst/>
+      </p:bgPr>
+    </p:bg>
+    <p:spTree>
+      <p:nvGrpSpPr>
+        <p:cNvPr id="389" name="Shape 389"/>
+        <p:cNvGrpSpPr/>
+        <p:nvPr/>
+      </p:nvGrpSpPr>
+      <p:grpSpPr>
+        <a:xfrm>
+          <a:off x="0" y="0"/>
+          <a:ext cx="0" cy="0"/>
+          <a:chOff x="0" y="0"/>
+          <a:chExt cx="0" cy="0"/>
+        </a:xfrm>
+      </p:grpSpPr>
+      <p:sp>
+        <p:nvSpPr>
+          <p:cNvPr id="3" name="Google Shape;390;p57"/>
+          <p:cNvSpPr txBox="1"/>
+          <p:nvPr/>
+        </p:nvSpPr>
+        <p:spPr>
+          <a:xfrm>
+            <a:off x="2792730" y="31750"/>
+            <a:ext cx="3900170" cy="499110"/>
+          </a:xfrm>
+          <a:prstGeom prst="rect">
+            <a:avLst/>
+          </a:prstGeom>
+          <a:noFill/>
+          <a:ln>
+            <a:noFill/>
+          </a:ln>
+        </p:spPr>
+        <p:txBody>
+          <a:bodyPr spcFirstLastPara="1" wrap="square" lIns="91425" tIns="91425" rIns="91425" bIns="91425" anchor="t" anchorCtr="0">
+            <a:spAutoFit/>
+          </a:bodyPr>
+          <a:p>
+            <a:pPr marL="0" lvl="0" indent="0" algn="ctr" rtl="0">
+              <a:lnSpc>
+                <a:spcPct val="115000"/>
+              </a:lnSpc>
+              <a:spcBef>
+                <a:spcPts val="1200"/>
+              </a:spcBef>
+              <a:spcAft>
+                <a:spcPts val="1200"/>
+              </a:spcAft>
+              <a:buNone/>
+            </a:pPr>
+            <a:r>
+              <a:rPr lang="en-US" sz="1800" b="1">
+                <a:solidFill>
+                  <a:srgbClr val="980000"/>
+                </a:solidFill>
+              </a:rPr>
+              <a:t>AWS Deployment</a:t>
+            </a:r>
+            <a:endParaRPr lang="en-US" sz="1800" b="1">
+              <a:solidFill>
+                <a:srgbClr val="980000"/>
+              </a:solidFill>
+            </a:endParaRPr>
+          </a:p>
+        </p:txBody>
+      </p:sp>
+      <p:pic>
+        <p:nvPicPr>
+          <p:cNvPr id="2" name="Picture 1"/>
+          <p:cNvPicPr>
+            <a:picLocks noChangeAspect="1"/>
+          </p:cNvPicPr>
+          <p:nvPr/>
+        </p:nvPicPr>
+        <p:blipFill>
+          <a:blip r:embed="rId1"/>
+          <a:stretch>
+            <a:fillRect/>
+          </a:stretch>
+        </p:blipFill>
+        <p:spPr>
+          <a:xfrm>
+            <a:off x="802640" y="1084580"/>
+            <a:ext cx="7731125" cy="3902075"/>
+          </a:xfrm>
+          <a:prstGeom prst="rect">
+            <a:avLst/>
+          </a:prstGeom>
+        </p:spPr>
+      </p:pic>
+      <p:sp>
+        <p:nvSpPr>
+          <p:cNvPr id="1" name="Google Shape;392;p57"/>
+          <p:cNvSpPr txBox="1"/>
+          <p:nvPr/>
+        </p:nvSpPr>
+        <p:spPr>
+          <a:xfrm>
+            <a:off x="188595" y="530860"/>
+            <a:ext cx="1974850" cy="428625"/>
+          </a:xfrm>
+          <a:prstGeom prst="rect">
+            <a:avLst/>
+          </a:prstGeom>
+          <a:noFill/>
+          <a:ln>
+            <a:noFill/>
+          </a:ln>
+        </p:spPr>
+        <p:txBody>
+          <a:bodyPr spcFirstLastPara="1" wrap="square" lIns="91425" tIns="91425" rIns="91425" bIns="91425" anchor="t" anchorCtr="0">
+            <a:spAutoFit/>
+          </a:bodyPr>
+          <a:p>
+            <a:pPr marL="0" lvl="0" indent="0" algn="l" rtl="0">
+              <a:lnSpc>
+                <a:spcPct val="115000"/>
+              </a:lnSpc>
+              <a:spcBef>
+                <a:spcPts val="0"/>
+              </a:spcBef>
+              <a:spcAft>
+                <a:spcPts val="0"/>
+              </a:spcAft>
+              <a:buNone/>
+            </a:pPr>
+            <a:r>
+              <a:rPr lang="en-US" altLang="en-GB" b="1"/>
+              <a:t>Deployment status</a:t>
+            </a:r>
+            <a:r>
+              <a:rPr lang="en-GB" b="1"/>
+              <a:t>: </a:t>
+            </a:r>
+            <a:endParaRPr lang="en-US" altLang="en-GB" b="1"/>
+          </a:p>
+        </p:txBody>
+      </p:sp>
+    </p:spTree>
+  </p:cSld>
+  <p:clrMapOvr>
+    <a:masterClrMapping/>
+  </p:clrMapOvr>
+</p:sld>
+</file>
+
+<file path=ppt/slides/slide36.xml><?xml version="1.0" encoding="utf-8"?>
 <p:sld xmlns:a="http://schemas.openxmlformats.org/drawingml/2006/main" xmlns:r="http://schemas.openxmlformats.org/officeDocument/2006/relationships" xmlns:p="http://schemas.openxmlformats.org/presentationml/2006/main">
   <p:cSld>
     <p:bg>
